--- a/Typical Errors.pptx
+++ b/Typical Errors.pptx
@@ -7,6 +7,7 @@
   <p:sldIdLst>
     <p:sldId id="256" r:id="rId2"/>
     <p:sldId id="257" r:id="rId3"/>
+    <p:sldId id="258" r:id="rId4"/>
   </p:sldIdLst>
   <p:sldSz cx="12192000" cy="6858000"/>
   <p:notesSz cx="6858000" cy="9144000"/>
@@ -105,6 +106,11 @@
       </a:defRPr>
     </a:lvl9pPr>
   </p:defaultTextStyle>
+  <p:extLst>
+    <p:ext uri="{EFAFB233-063F-42B5-8137-9DF3F51BA10A}">
+      <p15:sldGuideLst xmlns:p15="http://schemas.microsoft.com/office/powerpoint/2012/main"/>
+    </p:ext>
+  </p:extLst>
 </p:presentation>
 </file>
 
@@ -255,7 +261,7 @@
           <a:p>
             <a:fld id="{5F3D0992-382A-49D5-AE7D-14836345CDEB}" type="datetimeFigureOut">
               <a:rPr lang="en-US" smtClean="0"/>
-              <a:t>1/23/2020</a:t>
+              <a:t>1/25/2020</a:t>
             </a:fld>
             <a:endParaRPr lang="en-US"/>
           </a:p>
@@ -453,7 +459,7 @@
           <a:p>
             <a:fld id="{5F3D0992-382A-49D5-AE7D-14836345CDEB}" type="datetimeFigureOut">
               <a:rPr lang="en-US" smtClean="0"/>
-              <a:t>1/23/2020</a:t>
+              <a:t>1/25/2020</a:t>
             </a:fld>
             <a:endParaRPr lang="en-US"/>
           </a:p>
@@ -661,7 +667,7 @@
           <a:p>
             <a:fld id="{5F3D0992-382A-49D5-AE7D-14836345CDEB}" type="datetimeFigureOut">
               <a:rPr lang="en-US" smtClean="0"/>
-              <a:t>1/23/2020</a:t>
+              <a:t>1/25/2020</a:t>
             </a:fld>
             <a:endParaRPr lang="en-US"/>
           </a:p>
@@ -859,7 +865,7 @@
           <a:p>
             <a:fld id="{5F3D0992-382A-49D5-AE7D-14836345CDEB}" type="datetimeFigureOut">
               <a:rPr lang="en-US" smtClean="0"/>
-              <a:t>1/23/2020</a:t>
+              <a:t>1/25/2020</a:t>
             </a:fld>
             <a:endParaRPr lang="en-US"/>
           </a:p>
@@ -1134,7 +1140,7 @@
           <a:p>
             <a:fld id="{5F3D0992-382A-49D5-AE7D-14836345CDEB}" type="datetimeFigureOut">
               <a:rPr lang="en-US" smtClean="0"/>
-              <a:t>1/23/2020</a:t>
+              <a:t>1/25/2020</a:t>
             </a:fld>
             <a:endParaRPr lang="en-US"/>
           </a:p>
@@ -1399,7 +1405,7 @@
           <a:p>
             <a:fld id="{5F3D0992-382A-49D5-AE7D-14836345CDEB}" type="datetimeFigureOut">
               <a:rPr lang="en-US" smtClean="0"/>
-              <a:t>1/23/2020</a:t>
+              <a:t>1/25/2020</a:t>
             </a:fld>
             <a:endParaRPr lang="en-US"/>
           </a:p>
@@ -1811,7 +1817,7 @@
           <a:p>
             <a:fld id="{5F3D0992-382A-49D5-AE7D-14836345CDEB}" type="datetimeFigureOut">
               <a:rPr lang="en-US" smtClean="0"/>
-              <a:t>1/23/2020</a:t>
+              <a:t>1/25/2020</a:t>
             </a:fld>
             <a:endParaRPr lang="en-US"/>
           </a:p>
@@ -1952,7 +1958,7 @@
           <a:p>
             <a:fld id="{5F3D0992-382A-49D5-AE7D-14836345CDEB}" type="datetimeFigureOut">
               <a:rPr lang="en-US" smtClean="0"/>
-              <a:t>1/23/2020</a:t>
+              <a:t>1/25/2020</a:t>
             </a:fld>
             <a:endParaRPr lang="en-US"/>
           </a:p>
@@ -2065,7 +2071,7 @@
           <a:p>
             <a:fld id="{5F3D0992-382A-49D5-AE7D-14836345CDEB}" type="datetimeFigureOut">
               <a:rPr lang="en-US" smtClean="0"/>
-              <a:t>1/23/2020</a:t>
+              <a:t>1/25/2020</a:t>
             </a:fld>
             <a:endParaRPr lang="en-US"/>
           </a:p>
@@ -2376,7 +2382,7 @@
           <a:p>
             <a:fld id="{5F3D0992-382A-49D5-AE7D-14836345CDEB}" type="datetimeFigureOut">
               <a:rPr lang="en-US" smtClean="0"/>
-              <a:t>1/23/2020</a:t>
+              <a:t>1/25/2020</a:t>
             </a:fld>
             <a:endParaRPr lang="en-US"/>
           </a:p>
@@ -2664,7 +2670,7 @@
           <a:p>
             <a:fld id="{5F3D0992-382A-49D5-AE7D-14836345CDEB}" type="datetimeFigureOut">
               <a:rPr lang="en-US" smtClean="0"/>
-              <a:t>1/23/2020</a:t>
+              <a:t>1/25/2020</a:t>
             </a:fld>
             <a:endParaRPr lang="en-US"/>
           </a:p>
@@ -2905,7 +2911,7 @@
           <a:p>
             <a:fld id="{5F3D0992-382A-49D5-AE7D-14836345CDEB}" type="datetimeFigureOut">
               <a:rPr lang="en-US" smtClean="0"/>
-              <a:t>1/23/2020</a:t>
+              <a:t>1/25/2020</a:t>
             </a:fld>
             <a:endParaRPr lang="en-US"/>
           </a:p>
@@ -3424,7 +3430,12 @@
             <p:ph type="title"/>
           </p:nvPr>
         </p:nvSpPr>
-        <p:spPr/>
+        <p:spPr>
+          <a:xfrm>
+            <a:off x="838200" y="184620"/>
+            <a:ext cx="10515600" cy="1325563"/>
+          </a:xfrm>
+        </p:spPr>
         <p:txBody>
           <a:bodyPr/>
           <a:lstStyle/>
@@ -3460,7 +3471,7 @@
         </p:blipFill>
         <p:spPr>
           <a:xfrm>
-            <a:off x="838200" y="1690688"/>
+            <a:off x="838200" y="1380722"/>
             <a:ext cx="10515600" cy="1536107"/>
           </a:xfrm>
           <a:prstGeom prst="rect">
@@ -3484,8 +3495,8 @@
         </p:nvSpPr>
         <p:spPr>
           <a:xfrm>
-            <a:off x="765251" y="3324992"/>
-            <a:ext cx="10515600" cy="1325563"/>
+            <a:off x="718757" y="3010951"/>
+            <a:ext cx="10515600" cy="1123358"/>
           </a:xfrm>
           <a:prstGeom prst="rect">
             <a:avLst/>
@@ -3552,7 +3563,7 @@
         </p:blipFill>
         <p:spPr>
           <a:xfrm>
-            <a:off x="838200" y="4405716"/>
+            <a:off x="838200" y="4112931"/>
             <a:ext cx="8842089" cy="2352904"/>
           </a:xfrm>
           <a:prstGeom prst="rect">
@@ -3564,6 +3575,212 @@
     <p:extLst>
       <p:ext uri="{BB962C8B-B14F-4D97-AF65-F5344CB8AC3E}">
         <p14:creationId xmlns:p14="http://schemas.microsoft.com/office/powerpoint/2010/main" val="1277703233"/>
+      </p:ext>
+    </p:extLst>
+  </p:cSld>
+  <p:clrMapOvr>
+    <a:masterClrMapping/>
+  </p:clrMapOvr>
+</p:sld>
+</file>
+
+<file path=ppt/slides/slide3.xml><?xml version="1.0" encoding="utf-8"?>
+<p:sld xmlns:a="http://schemas.openxmlformats.org/drawingml/2006/main" xmlns:r="http://schemas.openxmlformats.org/officeDocument/2006/relationships" xmlns:p="http://schemas.openxmlformats.org/presentationml/2006/main">
+  <p:cSld>
+    <p:spTree>
+      <p:nvGrpSpPr>
+        <p:cNvPr id="1" name=""/>
+        <p:cNvGrpSpPr/>
+        <p:nvPr/>
+      </p:nvGrpSpPr>
+      <p:grpSpPr>
+        <a:xfrm>
+          <a:off x="0" y="0"/>
+          <a:ext cx="0" cy="0"/>
+          <a:chOff x="0" y="0"/>
+          <a:chExt cx="0" cy="0"/>
+        </a:xfrm>
+      </p:grpSpPr>
+      <p:sp>
+        <p:nvSpPr>
+          <p:cNvPr id="2" name="Title 1">
+            <a:extLst>
+              <a:ext uri="{FF2B5EF4-FFF2-40B4-BE49-F238E27FC236}">
+                <a16:creationId xmlns:a16="http://schemas.microsoft.com/office/drawing/2014/main" id="{644ECC0E-9CFF-4BDD-86E0-832DDBA6C6BB}"/>
+              </a:ext>
+            </a:extLst>
+          </p:cNvPr>
+          <p:cNvSpPr>
+            <a:spLocks noGrp="1"/>
+          </p:cNvSpPr>
+          <p:nvPr>
+            <p:ph type="title"/>
+          </p:nvPr>
+        </p:nvSpPr>
+        <p:spPr>
+          <a:xfrm>
+            <a:off x="838200" y="175275"/>
+            <a:ext cx="10515600" cy="1090015"/>
+          </a:xfrm>
+        </p:spPr>
+        <p:txBody>
+          <a:bodyPr/>
+          <a:lstStyle/>
+          <a:p>
+            <a:r>
+              <a:rPr lang="en-US" dirty="0"/>
+              <a:t>Do not use </a:t>
+            </a:r>
+            <a:r>
+              <a:rPr lang="en-US" dirty="0" err="1"/>
+              <a:t>Jupyter</a:t>
+            </a:r>
+            <a:r>
+              <a:rPr lang="en-US" dirty="0"/>
+              <a:t> notebooks to test model</a:t>
+            </a:r>
+          </a:p>
+        </p:txBody>
+      </p:sp>
+      <p:sp>
+        <p:nvSpPr>
+          <p:cNvPr id="6" name="Title 1">
+            <a:extLst>
+              <a:ext uri="{FF2B5EF4-FFF2-40B4-BE49-F238E27FC236}">
+                <a16:creationId xmlns:a16="http://schemas.microsoft.com/office/drawing/2014/main" id="{3C3A5AA7-645B-4AB0-8034-E1BD929E0B89}"/>
+              </a:ext>
+            </a:extLst>
+          </p:cNvPr>
+          <p:cNvSpPr txBox="1">
+            <a:spLocks/>
+          </p:cNvSpPr>
+          <p:nvPr/>
+        </p:nvSpPr>
+        <p:spPr>
+          <a:xfrm>
+            <a:off x="718757" y="2013424"/>
+            <a:ext cx="10515600" cy="1123358"/>
+          </a:xfrm>
+          <a:prstGeom prst="rect">
+            <a:avLst/>
+          </a:prstGeom>
+        </p:spPr>
+        <p:txBody>
+          <a:bodyPr vert="horz" lIns="91440" tIns="45720" rIns="91440" bIns="45720" rtlCol="0" anchor="ctr">
+            <a:normAutofit fontScale="92500" lnSpcReduction="10000"/>
+          </a:bodyPr>
+          <a:lstStyle>
+            <a:lvl1pPr algn="l" defTabSz="914400" rtl="0" eaLnBrk="1" latinLnBrk="0" hangingPunct="1">
+              <a:lnSpc>
+                <a:spcPct val="90000"/>
+              </a:lnSpc>
+              <a:spcBef>
+                <a:spcPct val="0"/>
+              </a:spcBef>
+              <a:buNone/>
+              <a:defRPr sz="4400" kern="1200">
+                <a:solidFill>
+                  <a:schemeClr val="tx1"/>
+                </a:solidFill>
+                <a:latin typeface="+mj-lt"/>
+                <a:ea typeface="+mj-ea"/>
+                <a:cs typeface="+mj-cs"/>
+              </a:defRPr>
+            </a:lvl1pPr>
+          </a:lstStyle>
+          <a:p>
+            <a:r>
+              <a:rPr lang="en-US" b="1" dirty="0">
+                <a:solidFill>
+                  <a:srgbClr val="FF0000"/>
+                </a:solidFill>
+              </a:rPr>
+              <a:t>Solution! Run this on the cluster not </a:t>
+            </a:r>
+            <a:r>
+              <a:rPr lang="en-US" b="1" dirty="0" err="1">
+                <a:solidFill>
+                  <a:srgbClr val="FF0000"/>
+                </a:solidFill>
+              </a:rPr>
+              <a:t>jupyter</a:t>
+            </a:r>
+            <a:r>
+              <a:rPr lang="en-US" b="1" dirty="0">
+                <a:solidFill>
+                  <a:srgbClr val="FF0000"/>
+                </a:solidFill>
+              </a:rPr>
+              <a:t> notebook</a:t>
+            </a:r>
+            <a:endParaRPr lang="en-US" dirty="0"/>
+          </a:p>
+        </p:txBody>
+      </p:sp>
+      <p:pic>
+        <p:nvPicPr>
+          <p:cNvPr id="7" name="Picture 6">
+            <a:extLst>
+              <a:ext uri="{FF2B5EF4-FFF2-40B4-BE49-F238E27FC236}">
+                <a16:creationId xmlns:a16="http://schemas.microsoft.com/office/drawing/2014/main" id="{FE78FBBE-F66A-4FFD-AC43-3932CE1CDC81}"/>
+              </a:ext>
+            </a:extLst>
+          </p:cNvPr>
+          <p:cNvPicPr>
+            <a:picLocks noChangeAspect="1"/>
+          </p:cNvPicPr>
+          <p:nvPr/>
+        </p:nvPicPr>
+        <p:blipFill>
+          <a:blip r:embed="rId2"/>
+          <a:stretch>
+            <a:fillRect/>
+          </a:stretch>
+        </p:blipFill>
+        <p:spPr>
+          <a:xfrm>
+            <a:off x="838200" y="1265290"/>
+            <a:ext cx="9239250" cy="542925"/>
+          </a:xfrm>
+          <a:prstGeom prst="rect">
+            <a:avLst/>
+          </a:prstGeom>
+        </p:spPr>
+      </p:pic>
+      <p:pic>
+        <p:nvPicPr>
+          <p:cNvPr id="9" name="Picture 8">
+            <a:extLst>
+              <a:ext uri="{FF2B5EF4-FFF2-40B4-BE49-F238E27FC236}">
+                <a16:creationId xmlns:a16="http://schemas.microsoft.com/office/drawing/2014/main" id="{B6BE7995-6D44-4292-9349-FC7639243EC9}"/>
+              </a:ext>
+            </a:extLst>
+          </p:cNvPr>
+          <p:cNvPicPr>
+            <a:picLocks noChangeAspect="1"/>
+          </p:cNvPicPr>
+          <p:nvPr/>
+        </p:nvPicPr>
+        <p:blipFill>
+          <a:blip r:embed="rId3"/>
+          <a:stretch>
+            <a:fillRect/>
+          </a:stretch>
+        </p:blipFill>
+        <p:spPr>
+          <a:xfrm>
+            <a:off x="838200" y="3341991"/>
+            <a:ext cx="10815782" cy="1046497"/>
+          </a:xfrm>
+          <a:prstGeom prst="rect">
+            <a:avLst/>
+          </a:prstGeom>
+        </p:spPr>
+      </p:pic>
+    </p:spTree>
+    <p:extLst>
+      <p:ext uri="{BB962C8B-B14F-4D97-AF65-F5344CB8AC3E}">
+        <p14:creationId xmlns:p14="http://schemas.microsoft.com/office/powerpoint/2010/main" val="614273655"/>
       </p:ext>
     </p:extLst>
   </p:cSld>
